--- a/Resources/Illustrations/Algorithm.pptx
+++ b/Resources/Illustrations/Algorithm.pptx
@@ -106,6 +106,11 @@
       </a:defRPr>
     </a:lvl9pPr>
   </p:defaultTextStyle>
+  <p:extLst>
+    <p:ext uri="{EFAFB233-063F-42B5-8137-9DF3F51BA10A}">
+      <p15:sldGuideLst xmlns:p15="http://schemas.microsoft.com/office/powerpoint/2012/main"/>
+    </p:ext>
+  </p:extLst>
 </p:presentation>
 </file>
 
@@ -256,7 +261,7 @@
           <a:p>
             <a:fld id="{5126366D-DFFC-43A1-ABF3-AD596D89F3AE}" type="datetimeFigureOut">
               <a:rPr lang="en-US" smtClean="0"/>
-              <a:t>11/2/2023</a:t>
+              <a:t>11/3/2023</a:t>
             </a:fld>
             <a:endParaRPr lang="en-US"/>
           </a:p>
@@ -454,7 +459,7 @@
           <a:p>
             <a:fld id="{5126366D-DFFC-43A1-ABF3-AD596D89F3AE}" type="datetimeFigureOut">
               <a:rPr lang="en-US" smtClean="0"/>
-              <a:t>11/2/2023</a:t>
+              <a:t>11/3/2023</a:t>
             </a:fld>
             <a:endParaRPr lang="en-US"/>
           </a:p>
@@ -662,7 +667,7 @@
           <a:p>
             <a:fld id="{5126366D-DFFC-43A1-ABF3-AD596D89F3AE}" type="datetimeFigureOut">
               <a:rPr lang="en-US" smtClean="0"/>
-              <a:t>11/2/2023</a:t>
+              <a:t>11/3/2023</a:t>
             </a:fld>
             <a:endParaRPr lang="en-US"/>
           </a:p>
@@ -860,7 +865,7 @@
           <a:p>
             <a:fld id="{5126366D-DFFC-43A1-ABF3-AD596D89F3AE}" type="datetimeFigureOut">
               <a:rPr lang="en-US" smtClean="0"/>
-              <a:t>11/2/2023</a:t>
+              <a:t>11/3/2023</a:t>
             </a:fld>
             <a:endParaRPr lang="en-US"/>
           </a:p>
@@ -1135,7 +1140,7 @@
           <a:p>
             <a:fld id="{5126366D-DFFC-43A1-ABF3-AD596D89F3AE}" type="datetimeFigureOut">
               <a:rPr lang="en-US" smtClean="0"/>
-              <a:t>11/2/2023</a:t>
+              <a:t>11/3/2023</a:t>
             </a:fld>
             <a:endParaRPr lang="en-US"/>
           </a:p>
@@ -1400,7 +1405,7 @@
           <a:p>
             <a:fld id="{5126366D-DFFC-43A1-ABF3-AD596D89F3AE}" type="datetimeFigureOut">
               <a:rPr lang="en-US" smtClean="0"/>
-              <a:t>11/2/2023</a:t>
+              <a:t>11/3/2023</a:t>
             </a:fld>
             <a:endParaRPr lang="en-US"/>
           </a:p>
@@ -1812,7 +1817,7 @@
           <a:p>
             <a:fld id="{5126366D-DFFC-43A1-ABF3-AD596D89F3AE}" type="datetimeFigureOut">
               <a:rPr lang="en-US" smtClean="0"/>
-              <a:t>11/2/2023</a:t>
+              <a:t>11/3/2023</a:t>
             </a:fld>
             <a:endParaRPr lang="en-US"/>
           </a:p>
@@ -1953,7 +1958,7 @@
           <a:p>
             <a:fld id="{5126366D-DFFC-43A1-ABF3-AD596D89F3AE}" type="datetimeFigureOut">
               <a:rPr lang="en-US" smtClean="0"/>
-              <a:t>11/2/2023</a:t>
+              <a:t>11/3/2023</a:t>
             </a:fld>
             <a:endParaRPr lang="en-US"/>
           </a:p>
@@ -2066,7 +2071,7 @@
           <a:p>
             <a:fld id="{5126366D-DFFC-43A1-ABF3-AD596D89F3AE}" type="datetimeFigureOut">
               <a:rPr lang="en-US" smtClean="0"/>
-              <a:t>11/2/2023</a:t>
+              <a:t>11/3/2023</a:t>
             </a:fld>
             <a:endParaRPr lang="en-US"/>
           </a:p>
@@ -2377,7 +2382,7 @@
           <a:p>
             <a:fld id="{5126366D-DFFC-43A1-ABF3-AD596D89F3AE}" type="datetimeFigureOut">
               <a:rPr lang="en-US" smtClean="0"/>
-              <a:t>11/2/2023</a:t>
+              <a:t>11/3/2023</a:t>
             </a:fld>
             <a:endParaRPr lang="en-US"/>
           </a:p>
@@ -2665,7 +2670,7 @@
           <a:p>
             <a:fld id="{5126366D-DFFC-43A1-ABF3-AD596D89F3AE}" type="datetimeFigureOut">
               <a:rPr lang="en-US" smtClean="0"/>
-              <a:t>11/2/2023</a:t>
+              <a:t>11/3/2023</a:t>
             </a:fld>
             <a:endParaRPr lang="en-US"/>
           </a:p>
@@ -2906,7 +2911,7 @@
           <a:p>
             <a:fld id="{5126366D-DFFC-43A1-ABF3-AD596D89F3AE}" type="datetimeFigureOut">
               <a:rPr lang="en-US" smtClean="0"/>
-              <a:t>11/2/2023</a:t>
+              <a:t>11/3/2023</a:t>
             </a:fld>
             <a:endParaRPr lang="en-US"/>
           </a:p>
@@ -3738,7 +3743,11 @@
               <a:buAutoNum type="arabicPeriod"/>
             </a:pPr>
             <a:r>
-              <a:rPr lang="en-US" sz="1400" dirty="0"/>
+              <a:rPr lang="en-US" sz="1400" dirty="0">
+                <a:solidFill>
+                  <a:srgbClr val="FF0000"/>
+                </a:solidFill>
+              </a:rPr>
               <a:t>Adjust graph if profiles gets too close at trunk.</a:t>
             </a:r>
           </a:p>
